--- a/studies/labor study_A/script_labpilotpersonD.pptx
+++ b/studies/labor study_A/script_labpilotpersonD.pptx
@@ -348,7 +348,7 @@
             <a:fld id="{87DE6118-2437-4B30-8E3C-4D2BE6020583}" type="datetimeFigureOut">
               <a:rPr lang="en-US" smtClean="0"/>
               <a:pPr/>
-              <a:t>7/17/2020</a:t>
+              <a:t>7/28/2020</a:t>
             </a:fld>
             <a:endParaRPr lang="en-US" dirty="0"/>
           </a:p>
@@ -557,7 +557,7 @@
           <a:p>
             <a:fld id="{87DE6118-2437-4B30-8E3C-4D2BE6020583}" type="datetimeFigureOut">
               <a:rPr lang="en-US" smtClean="0"/>
-              <a:t>7/17/2020</a:t>
+              <a:t>7/28/2020</a:t>
             </a:fld>
             <a:endParaRPr lang="en-US" dirty="0"/>
           </a:p>
@@ -813,7 +813,7 @@
           <a:p>
             <a:fld id="{87DE6118-2437-4B30-8E3C-4D2BE6020583}" type="datetimeFigureOut">
               <a:rPr lang="en-US" smtClean="0"/>
-              <a:t>7/17/2020</a:t>
+              <a:t>7/28/2020</a:t>
             </a:fld>
             <a:endParaRPr lang="en-US" dirty="0"/>
           </a:p>
@@ -987,7 +987,7 @@
           <a:p>
             <a:fld id="{87DE6118-2437-4B30-8E3C-4D2BE6020583}" type="datetimeFigureOut">
               <a:rPr lang="en-US" smtClean="0"/>
-              <a:t>7/17/2020</a:t>
+              <a:t>7/28/2020</a:t>
             </a:fld>
             <a:endParaRPr lang="en-US" dirty="0"/>
           </a:p>
@@ -1331,7 +1331,7 @@
             <a:fld id="{87DE6118-2437-4B30-8E3C-4D2BE6020583}" type="datetimeFigureOut">
               <a:rPr lang="en-US" smtClean="0"/>
               <a:pPr/>
-              <a:t>7/17/2020</a:t>
+              <a:t>7/28/2020</a:t>
             </a:fld>
             <a:endParaRPr lang="en-US" dirty="0"/>
           </a:p>
@@ -1607,7 +1607,7 @@
           <a:p>
             <a:fld id="{87DE6118-2437-4B30-8E3C-4D2BE6020583}" type="datetimeFigureOut">
               <a:rPr lang="en-US" smtClean="0"/>
-              <a:t>7/17/2020</a:t>
+              <a:t>7/28/2020</a:t>
             </a:fld>
             <a:endParaRPr lang="en-US" dirty="0"/>
           </a:p>
@@ -1986,7 +1986,7 @@
           <a:p>
             <a:fld id="{87DE6118-2437-4B30-8E3C-4D2BE6020583}" type="datetimeFigureOut">
               <a:rPr lang="en-US" smtClean="0"/>
-              <a:t>7/17/2020</a:t>
+              <a:t>7/28/2020</a:t>
             </a:fld>
             <a:endParaRPr lang="en-US" dirty="0"/>
           </a:p>
@@ -2104,7 +2104,7 @@
           <a:p>
             <a:fld id="{87DE6118-2437-4B30-8E3C-4D2BE6020583}" type="datetimeFigureOut">
               <a:rPr lang="en-US" smtClean="0"/>
-              <a:t>7/17/2020</a:t>
+              <a:t>7/28/2020</a:t>
             </a:fld>
             <a:endParaRPr lang="en-US" dirty="0"/>
           </a:p>
@@ -2275,7 +2275,7 @@
           <a:p>
             <a:fld id="{87DE6118-2437-4B30-8E3C-4D2BE6020583}" type="datetimeFigureOut">
               <a:rPr lang="en-US" smtClean="0"/>
-              <a:t>7/17/2020</a:t>
+              <a:t>7/28/2020</a:t>
             </a:fld>
             <a:endParaRPr lang="en-US" dirty="0"/>
           </a:p>
@@ -2630,7 +2630,7 @@
             <a:fld id="{87DE6118-2437-4B30-8E3C-4D2BE6020583}" type="datetimeFigureOut">
               <a:rPr lang="en-US" smtClean="0"/>
               <a:pPr/>
-              <a:t>7/17/2020</a:t>
+              <a:t>7/28/2020</a:t>
             </a:fld>
             <a:endParaRPr lang="en-US" dirty="0"/>
           </a:p>
@@ -3014,7 +3014,7 @@
             <a:fld id="{87DE6118-2437-4B30-8E3C-4D2BE6020583}" type="datetimeFigureOut">
               <a:rPr lang="en-US" smtClean="0"/>
               <a:pPr/>
-              <a:t>7/17/2020</a:t>
+              <a:t>7/28/2020</a:t>
             </a:fld>
             <a:endParaRPr lang="en-US" dirty="0"/>
           </a:p>
@@ -3303,7 +3303,7 @@
             <a:fld id="{87DE6118-2437-4B30-8E3C-4D2BE6020583}" type="datetimeFigureOut">
               <a:rPr lang="en-US" smtClean="0"/>
               <a:pPr/>
-              <a:t>7/17/2020</a:t>
+              <a:t>7/28/2020</a:t>
             </a:fld>
             <a:endParaRPr lang="en-US" dirty="0"/>
           </a:p>
@@ -4279,14 +4279,14 @@
           <p:nvPr>
             <p:extLst>
               <p:ext uri="{D42A27DB-BD31-4B8C-83A1-F6EECF244321}">
-                <p14:modId xmlns:p14="http://schemas.microsoft.com/office/powerpoint/2010/main" val="2082206931"/>
+                <p14:modId xmlns:p14="http://schemas.microsoft.com/office/powerpoint/2010/main" val="1538276260"/>
               </p:ext>
             </p:extLst>
           </p:nvPr>
         </p:nvGraphicFramePr>
         <p:xfrm>
-          <a:off x="243052" y="1067123"/>
-          <a:ext cx="11705895" cy="4051740"/>
+          <a:off x="282804" y="1067123"/>
+          <a:ext cx="11666142" cy="4551252"/>
         </p:xfrm>
         <a:graphic>
           <a:graphicData uri="http://schemas.openxmlformats.org/drawingml/2006/table">
@@ -4295,21 +4295,21 @@
                 <a:tableStyleId>{5C22544A-7EE6-4342-B048-85BDC9FD1C3A}</a:tableStyleId>
               </a:tblPr>
               <a:tblGrid>
-                <a:gridCol w="3901965">
+                <a:gridCol w="3888714">
                   <a:extLst>
                     <a:ext uri="{9D8B030D-6E8A-4147-A177-3AD203B41FA5}">
                       <a16:colId xmlns:a16="http://schemas.microsoft.com/office/drawing/2014/main" val="2418642178"/>
                     </a:ext>
                   </a:extLst>
                 </a:gridCol>
-                <a:gridCol w="3901965">
+                <a:gridCol w="3888714">
                   <a:extLst>
                     <a:ext uri="{9D8B030D-6E8A-4147-A177-3AD203B41FA5}">
                       <a16:colId xmlns:a16="http://schemas.microsoft.com/office/drawing/2014/main" val="576198228"/>
                     </a:ext>
                   </a:extLst>
                 </a:gridCol>
-                <a:gridCol w="3901965">
+                <a:gridCol w="3888714">
                   <a:extLst>
                     <a:ext uri="{9D8B030D-6E8A-4147-A177-3AD203B41FA5}">
                       <a16:colId xmlns:a16="http://schemas.microsoft.com/office/drawing/2014/main" val="924655872"/>
@@ -4317,7 +4317,7 @@
                   </a:extLst>
                 </a:gridCol>
               </a:tblGrid>
-              <a:tr h="1095705">
+              <a:tr h="1230787">
                 <a:tc>
                   <a:txBody>
                     <a:bodyPr/>
@@ -4366,7 +4366,7 @@
                   </a:ext>
                 </a:extLst>
               </a:tr>
-              <a:tr h="2956035">
+              <a:tr h="3320465">
                 <a:tc>
                   <a:txBody>
                     <a:bodyPr/>
@@ -4460,7 +4460,7 @@
         <p:spPr>
           <a:xfrm>
             <a:off x="549335" y="2705725"/>
-            <a:ext cx="3355781" cy="1446550"/>
+            <a:ext cx="3355781" cy="1569660"/>
           </a:xfrm>
           <a:prstGeom prst="rect">
             <a:avLst/>
@@ -4474,7 +4474,7 @@
           <a:lstStyle/>
           <a:p>
             <a:r>
-              <a:rPr lang="de-DE" sz="4400" dirty="0"/>
+              <a:rPr lang="de-DE" sz="4800" dirty="0"/>
               <a:t>schwatzt mit Nachbar*in</a:t>
             </a:r>
           </a:p>
@@ -4495,7 +4495,7 @@
         <p:spPr>
           <a:xfrm>
             <a:off x="4556234" y="2555706"/>
-            <a:ext cx="3478490" cy="2123658"/>
+            <a:ext cx="3478490" cy="3046988"/>
           </a:xfrm>
           <a:prstGeom prst="rect">
             <a:avLst/>
@@ -4509,7 +4509,7 @@
           <a:lstStyle/>
           <a:p>
             <a:r>
-              <a:rPr lang="de-DE" sz="4400" dirty="0"/>
+              <a:rPr lang="de-DE" sz="4800" dirty="0"/>
               <a:t>steht in der Klasse auf und geht herum</a:t>
             </a:r>
           </a:p>
@@ -4530,7 +4530,7 @@
         <p:spPr>
           <a:xfrm>
             <a:off x="8305009" y="2555706"/>
-            <a:ext cx="3355781" cy="2123658"/>
+            <a:ext cx="3355781" cy="2308324"/>
           </a:xfrm>
           <a:prstGeom prst="rect">
             <a:avLst/>
@@ -4544,7 +4544,7 @@
           <a:lstStyle/>
           <a:p>
             <a:r>
-              <a:rPr lang="de-DE" sz="4400" dirty="0"/>
+              <a:rPr lang="de-DE" sz="4800" dirty="0"/>
               <a:t>legt Kopf auf Bank und schläft</a:t>
             </a:r>
           </a:p>
@@ -4672,7 +4672,7 @@
                             </p:stCondLst>
                             <p:childTnLst>
                               <p:par>
-                                <p:cTn id="11" presetID="2" presetClass="entr" presetSubtype="4" fill="hold" grpId="0" nodeType="clickEffect">
+                                <p:cTn id="11" presetID="1" presetClass="entr" presetSubtype="0" fill="hold" grpId="0" nodeType="clickEffect">
                                   <p:stCondLst>
                                     <p:cond delay="0"/>
                                   </p:stCondLst>
@@ -4680,6 +4680,51 @@
                                     <p:set>
                                       <p:cBhvr>
                                         <p:cTn id="12" dur="1" fill="hold">
+                                          <p:stCondLst>
+                                            <p:cond delay="0"/>
+                                          </p:stCondLst>
+                                        </p:cTn>
+                                        <p:tgtEl>
+                                          <p:spTgt spid="14"/>
+                                        </p:tgtEl>
+                                        <p:attrNameLst>
+                                          <p:attrName>style.visibility</p:attrName>
+                                        </p:attrNameLst>
+                                      </p:cBhvr>
+                                      <p:to>
+                                        <p:strVal val="visible"/>
+                                      </p:to>
+                                    </p:set>
+                                  </p:childTnLst>
+                                </p:cTn>
+                              </p:par>
+                            </p:childTnLst>
+                          </p:cTn>
+                        </p:par>
+                      </p:childTnLst>
+                    </p:cTn>
+                  </p:par>
+                  <p:par>
+                    <p:cTn id="13" fill="hold">
+                      <p:stCondLst>
+                        <p:cond delay="indefinite"/>
+                      </p:stCondLst>
+                      <p:childTnLst>
+                        <p:par>
+                          <p:cTn id="14" fill="hold">
+                            <p:stCondLst>
+                              <p:cond delay="0"/>
+                            </p:stCondLst>
+                            <p:childTnLst>
+                              <p:par>
+                                <p:cTn id="15" presetID="1" presetClass="entr" presetSubtype="0" fill="hold" grpId="0" nodeType="clickEffect">
+                                  <p:stCondLst>
+                                    <p:cond delay="0"/>
+                                  </p:stCondLst>
+                                  <p:childTnLst>
+                                    <p:set>
+                                      <p:cBhvr>
+                                        <p:cTn id="16" dur="1" fill="hold">
                                           <p:stCondLst>
                                             <p:cond delay="0"/>
                                           </p:stCondLst>
@@ -4695,52 +4740,6 @@
                                         <p:strVal val="visible"/>
                                       </p:to>
                                     </p:set>
-                                    <p:anim calcmode="lin" valueType="num">
-                                      <p:cBhvr additive="base">
-                                        <p:cTn id="13" dur="250" fill="hold"/>
-                                        <p:tgtEl>
-                                          <p:spTgt spid="15"/>
-                                        </p:tgtEl>
-                                        <p:attrNameLst>
-                                          <p:attrName>ppt_x</p:attrName>
-                                        </p:attrNameLst>
-                                      </p:cBhvr>
-                                      <p:tavLst>
-                                        <p:tav tm="0">
-                                          <p:val>
-                                            <p:strVal val="#ppt_x"/>
-                                          </p:val>
-                                        </p:tav>
-                                        <p:tav tm="100000">
-                                          <p:val>
-                                            <p:strVal val="#ppt_x"/>
-                                          </p:val>
-                                        </p:tav>
-                                      </p:tavLst>
-                                    </p:anim>
-                                    <p:anim calcmode="lin" valueType="num">
-                                      <p:cBhvr additive="base">
-                                        <p:cTn id="14" dur="250" fill="hold"/>
-                                        <p:tgtEl>
-                                          <p:spTgt spid="15"/>
-                                        </p:tgtEl>
-                                        <p:attrNameLst>
-                                          <p:attrName>ppt_y</p:attrName>
-                                        </p:attrNameLst>
-                                      </p:cBhvr>
-                                      <p:tavLst>
-                                        <p:tav tm="0">
-                                          <p:val>
-                                            <p:strVal val="1+#ppt_h/2"/>
-                                          </p:val>
-                                        </p:tav>
-                                        <p:tav tm="100000">
-                                          <p:val>
-                                            <p:strVal val="#ppt_y"/>
-                                          </p:val>
-                                        </p:tav>
-                                      </p:tavLst>
-                                    </p:anim>
                                   </p:childTnLst>
                                 </p:cTn>
                               </p:par>
@@ -4773,6 +4772,7 @@
     </p:tnLst>
     <p:bldLst>
       <p:bldP spid="12" grpId="0"/>
+      <p:bldP spid="14" grpId="0"/>
       <p:bldP spid="15" grpId="0"/>
     </p:bldLst>
   </p:timing>
@@ -4811,14 +4811,14 @@
           <p:nvPr>
             <p:extLst>
               <p:ext uri="{D42A27DB-BD31-4B8C-83A1-F6EECF244321}">
-                <p14:modId xmlns:p14="http://schemas.microsoft.com/office/powerpoint/2010/main" val="3338910152"/>
+                <p14:modId xmlns:p14="http://schemas.microsoft.com/office/powerpoint/2010/main" val="2343027339"/>
               </p:ext>
             </p:extLst>
           </p:nvPr>
         </p:nvGraphicFramePr>
         <p:xfrm>
-          <a:off x="243052" y="1067123"/>
-          <a:ext cx="11705895" cy="4051740"/>
+          <a:off x="199700" y="1067122"/>
+          <a:ext cx="11749248" cy="4438131"/>
         </p:xfrm>
         <a:graphic>
           <a:graphicData uri="http://schemas.openxmlformats.org/drawingml/2006/table">
@@ -4827,21 +4827,21 @@
                 <a:tableStyleId>{5C22544A-7EE6-4342-B048-85BDC9FD1C3A}</a:tableStyleId>
               </a:tblPr>
               <a:tblGrid>
-                <a:gridCol w="3901965">
+                <a:gridCol w="3916416">
                   <a:extLst>
                     <a:ext uri="{9D8B030D-6E8A-4147-A177-3AD203B41FA5}">
                       <a16:colId xmlns:a16="http://schemas.microsoft.com/office/drawing/2014/main" val="2418642178"/>
                     </a:ext>
                   </a:extLst>
                 </a:gridCol>
-                <a:gridCol w="3901965">
+                <a:gridCol w="3916416">
                   <a:extLst>
                     <a:ext uri="{9D8B030D-6E8A-4147-A177-3AD203B41FA5}">
                       <a16:colId xmlns:a16="http://schemas.microsoft.com/office/drawing/2014/main" val="576198228"/>
                     </a:ext>
                   </a:extLst>
                 </a:gridCol>
-                <a:gridCol w="3901965">
+                <a:gridCol w="3916416">
                   <a:extLst>
                     <a:ext uri="{9D8B030D-6E8A-4147-A177-3AD203B41FA5}">
                       <a16:colId xmlns:a16="http://schemas.microsoft.com/office/drawing/2014/main" val="924655872"/>
@@ -4849,7 +4849,7 @@
                   </a:extLst>
                 </a:gridCol>
               </a:tblGrid>
-              <a:tr h="1095705">
+              <a:tr h="1200196">
                 <a:tc>
                   <a:txBody>
                     <a:bodyPr/>
@@ -4898,7 +4898,7 @@
                   </a:ext>
                 </a:extLst>
               </a:tr>
-              <a:tr h="2956035">
+              <a:tr h="3237935">
                 <a:tc>
                   <a:txBody>
                     <a:bodyPr/>
@@ -4992,7 +4992,7 @@
         <p:spPr>
           <a:xfrm>
             <a:off x="745384" y="2677428"/>
-            <a:ext cx="3355781" cy="2123658"/>
+            <a:ext cx="3355781" cy="2308324"/>
           </a:xfrm>
           <a:prstGeom prst="rect">
             <a:avLst/>
@@ -5006,7 +5006,7 @@
           <a:lstStyle/>
           <a:p>
             <a:r>
-              <a:rPr lang="de-DE" sz="4400" dirty="0"/>
+              <a:rPr lang="de-DE" sz="4800" dirty="0"/>
               <a:t>kritzelt auf Arbeitsblatt herum </a:t>
             </a:r>
           </a:p>
@@ -5027,7 +5027,7 @@
         <p:spPr>
           <a:xfrm>
             <a:off x="4388252" y="2305614"/>
-            <a:ext cx="2899110" cy="2800767"/>
+            <a:ext cx="2899110" cy="3046988"/>
           </a:xfrm>
           <a:prstGeom prst="rect">
             <a:avLst/>
@@ -5041,13 +5041,13 @@
           <a:lstStyle/>
           <a:p>
             <a:r>
-              <a:rPr lang="de-DE" sz="4400" dirty="0"/>
+              <a:rPr lang="de-DE" sz="4800" dirty="0"/>
               <a:t>ruft laut in die Klasse:</a:t>
             </a:r>
           </a:p>
           <a:p>
             <a:r>
-              <a:rPr lang="de-DE" sz="4400" dirty="0"/>
+              <a:rPr lang="de-DE" sz="4800" dirty="0"/>
               <a:t>„Ich muss mal!“</a:t>
             </a:r>
           </a:p>
@@ -5068,7 +5068,7 @@
         <p:spPr>
           <a:xfrm>
             <a:off x="8301194" y="2500496"/>
-            <a:ext cx="3691106" cy="2123658"/>
+            <a:ext cx="3691106" cy="3046988"/>
           </a:xfrm>
           <a:prstGeom prst="rect">
             <a:avLst/>
@@ -5082,8 +5082,8 @@
           <a:lstStyle/>
           <a:p>
             <a:r>
-              <a:rPr lang="de-DE" sz="4400" dirty="0"/>
-              <a:t>klickert nervös mit dem Kugelschreiben</a:t>
+              <a:rPr lang="de-DE" sz="4800" dirty="0"/>
+              <a:t>klickert nervös mit dem Kugel-schreiben</a:t>
             </a:r>
           </a:p>
         </p:txBody>
@@ -5441,14 +5441,14 @@
           <p:nvPr>
             <p:extLst>
               <p:ext uri="{D42A27DB-BD31-4B8C-83A1-F6EECF244321}">
-                <p14:modId xmlns:p14="http://schemas.microsoft.com/office/powerpoint/2010/main" val="3871905972"/>
+                <p14:modId xmlns:p14="http://schemas.microsoft.com/office/powerpoint/2010/main" val="2114653817"/>
               </p:ext>
             </p:extLst>
           </p:nvPr>
         </p:nvGraphicFramePr>
         <p:xfrm>
-          <a:off x="243052" y="1067123"/>
-          <a:ext cx="11705895" cy="4051740"/>
+          <a:off x="243053" y="1067122"/>
+          <a:ext cx="11705895" cy="4579533"/>
         </p:xfrm>
         <a:graphic>
           <a:graphicData uri="http://schemas.openxmlformats.org/drawingml/2006/table">
@@ -5479,7 +5479,7 @@
                   </a:extLst>
                 </a:gridCol>
               </a:tblGrid>
-              <a:tr h="1095705">
+              <a:tr h="1238435">
                 <a:tc>
                   <a:txBody>
                     <a:bodyPr/>
@@ -5528,7 +5528,7 @@
                   </a:ext>
                 </a:extLst>
               </a:tr>
-              <a:tr h="2956035">
+              <a:tr h="3341098">
                 <a:tc>
                   <a:txBody>
                     <a:bodyPr/>
@@ -5626,7 +5626,7 @@
         <p:spPr>
           <a:xfrm>
             <a:off x="569962" y="2484269"/>
-            <a:ext cx="3559532" cy="2400657"/>
+            <a:ext cx="3559532" cy="2585323"/>
           </a:xfrm>
           <a:prstGeom prst="rect">
             <a:avLst/>
@@ -5640,7 +5640,7 @@
           <a:lstStyle/>
           <a:p>
             <a:r>
-              <a:rPr lang="de-DE" sz="4400" dirty="0"/>
+              <a:rPr lang="de-DE" sz="4800" dirty="0"/>
               <a:t>trommelt mit Händen auf dem Tisch</a:t>
             </a:r>
           </a:p>
@@ -5664,7 +5664,7 @@
         <p:spPr>
           <a:xfrm>
             <a:off x="4456404" y="2484269"/>
-            <a:ext cx="3478490" cy="2123658"/>
+            <a:ext cx="3478490" cy="2308324"/>
           </a:xfrm>
           <a:prstGeom prst="rect">
             <a:avLst/>
@@ -5678,7 +5678,7 @@
           <a:lstStyle/>
           <a:p>
             <a:r>
-              <a:rPr lang="de-DE" sz="4400" dirty="0"/>
+              <a:rPr lang="de-DE" sz="4800" dirty="0"/>
               <a:t>holt Handy heraus und schaut drauf</a:t>
             </a:r>
           </a:p>
@@ -5699,7 +5699,7 @@
         <p:spPr>
           <a:xfrm>
             <a:off x="8257841" y="2567718"/>
-            <a:ext cx="3691106" cy="2400657"/>
+            <a:ext cx="3691106" cy="3323987"/>
           </a:xfrm>
           <a:prstGeom prst="rect">
             <a:avLst/>
@@ -5713,7 +5713,7 @@
           <a:lstStyle/>
           <a:p>
             <a:r>
-              <a:rPr lang="de-DE" sz="4400" dirty="0"/>
+              <a:rPr lang="de-DE" sz="4800" dirty="0"/>
               <a:t>meldet sich schnipsend und stellt Frage</a:t>
             </a:r>
           </a:p>
@@ -5844,7 +5844,7 @@
                             </p:stCondLst>
                             <p:childTnLst>
                               <p:par>
-                                <p:cTn id="11" presetID="2" presetClass="entr" presetSubtype="4" fill="hold" grpId="0" nodeType="clickEffect">
+                                <p:cTn id="11" presetID="1" presetClass="entr" presetSubtype="0" fill="hold" grpId="0" nodeType="clickEffect">
                                   <p:stCondLst>
                                     <p:cond delay="0"/>
                                   </p:stCondLst>
@@ -5852,6 +5852,51 @@
                                     <p:set>
                                       <p:cBhvr>
                                         <p:cTn id="12" dur="1" fill="hold">
+                                          <p:stCondLst>
+                                            <p:cond delay="0"/>
+                                          </p:stCondLst>
+                                        </p:cTn>
+                                        <p:tgtEl>
+                                          <p:spTgt spid="13"/>
+                                        </p:tgtEl>
+                                        <p:attrNameLst>
+                                          <p:attrName>style.visibility</p:attrName>
+                                        </p:attrNameLst>
+                                      </p:cBhvr>
+                                      <p:to>
+                                        <p:strVal val="visible"/>
+                                      </p:to>
+                                    </p:set>
+                                  </p:childTnLst>
+                                </p:cTn>
+                              </p:par>
+                            </p:childTnLst>
+                          </p:cTn>
+                        </p:par>
+                      </p:childTnLst>
+                    </p:cTn>
+                  </p:par>
+                  <p:par>
+                    <p:cTn id="13" fill="hold">
+                      <p:stCondLst>
+                        <p:cond delay="indefinite"/>
+                      </p:stCondLst>
+                      <p:childTnLst>
+                        <p:par>
+                          <p:cTn id="14" fill="hold">
+                            <p:stCondLst>
+                              <p:cond delay="0"/>
+                            </p:stCondLst>
+                            <p:childTnLst>
+                              <p:par>
+                                <p:cTn id="15" presetID="1" presetClass="entr" presetSubtype="0" fill="hold" grpId="0" nodeType="clickEffect">
+                                  <p:stCondLst>
+                                    <p:cond delay="0"/>
+                                  </p:stCondLst>
+                                  <p:childTnLst>
+                                    <p:set>
+                                      <p:cBhvr>
+                                        <p:cTn id="16" dur="1" fill="hold">
                                           <p:stCondLst>
                                             <p:cond delay="0"/>
                                           </p:stCondLst>
@@ -5867,52 +5912,6 @@
                                         <p:strVal val="visible"/>
                                       </p:to>
                                     </p:set>
-                                    <p:anim calcmode="lin" valueType="num">
-                                      <p:cBhvr additive="base">
-                                        <p:cTn id="13" dur="250" fill="hold"/>
-                                        <p:tgtEl>
-                                          <p:spTgt spid="14"/>
-                                        </p:tgtEl>
-                                        <p:attrNameLst>
-                                          <p:attrName>ppt_x</p:attrName>
-                                        </p:attrNameLst>
-                                      </p:cBhvr>
-                                      <p:tavLst>
-                                        <p:tav tm="0">
-                                          <p:val>
-                                            <p:strVal val="#ppt_x"/>
-                                          </p:val>
-                                        </p:tav>
-                                        <p:tav tm="100000">
-                                          <p:val>
-                                            <p:strVal val="#ppt_x"/>
-                                          </p:val>
-                                        </p:tav>
-                                      </p:tavLst>
-                                    </p:anim>
-                                    <p:anim calcmode="lin" valueType="num">
-                                      <p:cBhvr additive="base">
-                                        <p:cTn id="14" dur="250" fill="hold"/>
-                                        <p:tgtEl>
-                                          <p:spTgt spid="14"/>
-                                        </p:tgtEl>
-                                        <p:attrNameLst>
-                                          <p:attrName>ppt_y</p:attrName>
-                                        </p:attrNameLst>
-                                      </p:cBhvr>
-                                      <p:tavLst>
-                                        <p:tav tm="0">
-                                          <p:val>
-                                            <p:strVal val="1+#ppt_h/2"/>
-                                          </p:val>
-                                        </p:tav>
-                                        <p:tav tm="100000">
-                                          <p:val>
-                                            <p:strVal val="#ppt_y"/>
-                                          </p:val>
-                                        </p:tav>
-                                      </p:tavLst>
-                                    </p:anim>
                                   </p:childTnLst>
                                 </p:cTn>
                               </p:par>
@@ -5945,6 +5944,7 @@
     </p:tnLst>
     <p:bldLst>
       <p:bldP spid="11" grpId="0"/>
+      <p:bldP spid="13" grpId="0"/>
       <p:bldP spid="14" grpId="0"/>
     </p:bldLst>
   </p:timing>

--- a/studies/labor study_A/script_labpilotpersonD.pptx
+++ b/studies/labor study_A/script_labpilotpersonD.pptx
@@ -10,8 +10,8 @@
     <p:sldId id="276" r:id="rId4"/>
     <p:sldId id="277" r:id="rId5"/>
     <p:sldId id="273" r:id="rId6"/>
-    <p:sldId id="307" r:id="rId7"/>
-    <p:sldId id="308" r:id="rId8"/>
+    <p:sldId id="309" r:id="rId7"/>
+    <p:sldId id="310" r:id="rId8"/>
     <p:sldId id="305" r:id="rId9"/>
     <p:sldId id="301" r:id="rId10"/>
     <p:sldId id="303" r:id="rId11"/>
@@ -348,7 +348,7 @@
             <a:fld id="{87DE6118-2437-4B30-8E3C-4D2BE6020583}" type="datetimeFigureOut">
               <a:rPr lang="en-US" smtClean="0"/>
               <a:pPr/>
-              <a:t>7/28/2020</a:t>
+              <a:t>8/3/2020</a:t>
             </a:fld>
             <a:endParaRPr lang="en-US" dirty="0"/>
           </a:p>
@@ -557,7 +557,7 @@
           <a:p>
             <a:fld id="{87DE6118-2437-4B30-8E3C-4D2BE6020583}" type="datetimeFigureOut">
               <a:rPr lang="en-US" smtClean="0"/>
-              <a:t>7/28/2020</a:t>
+              <a:t>8/3/2020</a:t>
             </a:fld>
             <a:endParaRPr lang="en-US" dirty="0"/>
           </a:p>
@@ -813,7 +813,7 @@
           <a:p>
             <a:fld id="{87DE6118-2437-4B30-8E3C-4D2BE6020583}" type="datetimeFigureOut">
               <a:rPr lang="en-US" smtClean="0"/>
-              <a:t>7/28/2020</a:t>
+              <a:t>8/3/2020</a:t>
             </a:fld>
             <a:endParaRPr lang="en-US" dirty="0"/>
           </a:p>
@@ -987,7 +987,7 @@
           <a:p>
             <a:fld id="{87DE6118-2437-4B30-8E3C-4D2BE6020583}" type="datetimeFigureOut">
               <a:rPr lang="en-US" smtClean="0"/>
-              <a:t>7/28/2020</a:t>
+              <a:t>8/3/2020</a:t>
             </a:fld>
             <a:endParaRPr lang="en-US" dirty="0"/>
           </a:p>
@@ -1331,7 +1331,7 @@
             <a:fld id="{87DE6118-2437-4B30-8E3C-4D2BE6020583}" type="datetimeFigureOut">
               <a:rPr lang="en-US" smtClean="0"/>
               <a:pPr/>
-              <a:t>7/28/2020</a:t>
+              <a:t>8/3/2020</a:t>
             </a:fld>
             <a:endParaRPr lang="en-US" dirty="0"/>
           </a:p>
@@ -1607,7 +1607,7 @@
           <a:p>
             <a:fld id="{87DE6118-2437-4B30-8E3C-4D2BE6020583}" type="datetimeFigureOut">
               <a:rPr lang="en-US" smtClean="0"/>
-              <a:t>7/28/2020</a:t>
+              <a:t>8/3/2020</a:t>
             </a:fld>
             <a:endParaRPr lang="en-US" dirty="0"/>
           </a:p>
@@ -1986,7 +1986,7 @@
           <a:p>
             <a:fld id="{87DE6118-2437-4B30-8E3C-4D2BE6020583}" type="datetimeFigureOut">
               <a:rPr lang="en-US" smtClean="0"/>
-              <a:t>7/28/2020</a:t>
+              <a:t>8/3/2020</a:t>
             </a:fld>
             <a:endParaRPr lang="en-US" dirty="0"/>
           </a:p>
@@ -2104,7 +2104,7 @@
           <a:p>
             <a:fld id="{87DE6118-2437-4B30-8E3C-4D2BE6020583}" type="datetimeFigureOut">
               <a:rPr lang="en-US" smtClean="0"/>
-              <a:t>7/28/2020</a:t>
+              <a:t>8/3/2020</a:t>
             </a:fld>
             <a:endParaRPr lang="en-US" dirty="0"/>
           </a:p>
@@ -2275,7 +2275,7 @@
           <a:p>
             <a:fld id="{87DE6118-2437-4B30-8E3C-4D2BE6020583}" type="datetimeFigureOut">
               <a:rPr lang="en-US" smtClean="0"/>
-              <a:t>7/28/2020</a:t>
+              <a:t>8/3/2020</a:t>
             </a:fld>
             <a:endParaRPr lang="en-US" dirty="0"/>
           </a:p>
@@ -2630,7 +2630,7 @@
             <a:fld id="{87DE6118-2437-4B30-8E3C-4D2BE6020583}" type="datetimeFigureOut">
               <a:rPr lang="en-US" smtClean="0"/>
               <a:pPr/>
-              <a:t>7/28/2020</a:t>
+              <a:t>8/3/2020</a:t>
             </a:fld>
             <a:endParaRPr lang="en-US" dirty="0"/>
           </a:p>
@@ -3014,7 +3014,7 @@
             <a:fld id="{87DE6118-2437-4B30-8E3C-4D2BE6020583}" type="datetimeFigureOut">
               <a:rPr lang="en-US" smtClean="0"/>
               <a:pPr/>
-              <a:t>7/28/2020</a:t>
+              <a:t>8/3/2020</a:t>
             </a:fld>
             <a:endParaRPr lang="en-US" dirty="0"/>
           </a:p>
@@ -3303,7 +3303,7 @@
             <a:fld id="{87DE6118-2437-4B30-8E3C-4D2BE6020583}" type="datetimeFigureOut">
               <a:rPr lang="en-US" smtClean="0"/>
               <a:pPr/>
-              <a:t>7/28/2020</a:t>
+              <a:t>8/3/2020</a:t>
             </a:fld>
             <a:endParaRPr lang="en-US" dirty="0"/>
           </a:p>
@@ -3896,7 +3896,7 @@
                   </a:outerShdw>
                 </a:effectLst>
               </a:rPr>
-              <a:t>Pilot a	</a:t>
+              <a:t>Pilot A	</a:t>
             </a:r>
           </a:p>
         </p:txBody>
@@ -4219,8 +4219,8 @@
         </p:nvSpPr>
         <p:spPr>
           <a:xfrm>
-            <a:off x="1686785" y="1154202"/>
-            <a:ext cx="8361229" cy="3188848"/>
+            <a:off x="1206018" y="1173056"/>
+            <a:ext cx="9314295" cy="3188848"/>
           </a:xfrm>
         </p:spPr>
         <p:txBody>
@@ -4229,7 +4229,7 @@
           <a:p>
             <a:r>
               <a:rPr lang="de-DE" dirty="0"/>
-              <a:t>Unterrichts-störungen</a:t>
+              <a:t>Unterrichtsstörungen</a:t>
             </a:r>
           </a:p>
         </p:txBody>
@@ -4279,14 +4279,14 @@
           <p:nvPr>
             <p:extLst>
               <p:ext uri="{D42A27DB-BD31-4B8C-83A1-F6EECF244321}">
-                <p14:modId xmlns:p14="http://schemas.microsoft.com/office/powerpoint/2010/main" val="1538276260"/>
+                <p14:modId xmlns:p14="http://schemas.microsoft.com/office/powerpoint/2010/main" val="1525673142"/>
               </p:ext>
             </p:extLst>
           </p:nvPr>
         </p:nvGraphicFramePr>
         <p:xfrm>
-          <a:off x="282804" y="1067123"/>
-          <a:ext cx="11666142" cy="4551252"/>
+          <a:off x="245097" y="187941"/>
+          <a:ext cx="11703849" cy="5695830"/>
         </p:xfrm>
         <a:graphic>
           <a:graphicData uri="http://schemas.openxmlformats.org/drawingml/2006/table">
@@ -4295,21 +4295,21 @@
                 <a:tableStyleId>{5C22544A-7EE6-4342-B048-85BDC9FD1C3A}</a:tableStyleId>
               </a:tblPr>
               <a:tblGrid>
-                <a:gridCol w="3888714">
+                <a:gridCol w="3901283">
                   <a:extLst>
                     <a:ext uri="{9D8B030D-6E8A-4147-A177-3AD203B41FA5}">
                       <a16:colId xmlns:a16="http://schemas.microsoft.com/office/drawing/2014/main" val="2418642178"/>
                     </a:ext>
                   </a:extLst>
                 </a:gridCol>
-                <a:gridCol w="3888714">
+                <a:gridCol w="3901283">
                   <a:extLst>
                     <a:ext uri="{9D8B030D-6E8A-4147-A177-3AD203B41FA5}">
                       <a16:colId xmlns:a16="http://schemas.microsoft.com/office/drawing/2014/main" val="576198228"/>
                     </a:ext>
                   </a:extLst>
                 </a:gridCol>
-                <a:gridCol w="3888714">
+                <a:gridCol w="3901283">
                   <a:extLst>
                     <a:ext uri="{9D8B030D-6E8A-4147-A177-3AD203B41FA5}">
                       <a16:colId xmlns:a16="http://schemas.microsoft.com/office/drawing/2014/main" val="924655872"/>
@@ -4317,7 +4317,7 @@
                   </a:extLst>
                 </a:gridCol>
               </a:tblGrid>
-              <a:tr h="1230787">
+              <a:tr h="1540313">
                 <a:tc>
                   <a:txBody>
                     <a:bodyPr/>
@@ -4325,7 +4325,7 @@
                     <a:p>
                       <a:pPr algn="ctr"/>
                       <a:r>
-                        <a:rPr lang="de-DE" sz="4000" dirty="0"/>
+                        <a:rPr lang="de-DE" sz="4800" dirty="0"/>
                         <a:t>Person A</a:t>
                       </a:r>
                     </a:p>
@@ -4339,7 +4339,7 @@
                     <a:p>
                       <a:pPr algn="ctr"/>
                       <a:r>
-                        <a:rPr lang="de-DE" sz="4000" dirty="0"/>
+                        <a:rPr lang="de-DE" sz="4800" dirty="0"/>
                         <a:t>Person B</a:t>
                       </a:r>
                     </a:p>
@@ -4353,7 +4353,7 @@
                     <a:p>
                       <a:pPr algn="ctr"/>
                       <a:r>
-                        <a:rPr lang="de-DE" sz="4000" dirty="0"/>
+                        <a:rPr lang="de-DE" sz="4800" dirty="0"/>
                         <a:t>Person C</a:t>
                       </a:r>
                     </a:p>
@@ -4366,7 +4366,7 @@
                   </a:ext>
                 </a:extLst>
               </a:tr>
-              <a:tr h="3320465">
+              <a:tr h="4155517">
                 <a:tc>
                   <a:txBody>
                     <a:bodyPr/>
@@ -4412,10 +4412,10 @@
       </p:graphicFrame>
       <p:sp>
         <p:nvSpPr>
-          <p:cNvPr id="2" name="Textfeld 1">
+          <p:cNvPr id="13" name="Textfeld 12">
             <a:extLst>
               <a:ext uri="{FF2B5EF4-FFF2-40B4-BE49-F238E27FC236}">
-                <a16:creationId xmlns:a16="http://schemas.microsoft.com/office/drawing/2014/main" id="{66481C0A-9CA7-4557-93EF-2E86A2973C59}"/>
+                <a16:creationId xmlns:a16="http://schemas.microsoft.com/office/drawing/2014/main" id="{1DC30DDC-9BBC-45F8-A7BD-0AB20420B4A2}"/>
               </a:ext>
             </a:extLst>
           </p:cNvPr>
@@ -4424,8 +4424,8 @@
         </p:nvSpPr>
         <p:spPr>
           <a:xfrm>
-            <a:off x="9697730" y="5883770"/>
-            <a:ext cx="2251217" cy="646331"/>
+            <a:off x="8313945" y="2260430"/>
+            <a:ext cx="3355781" cy="2585323"/>
           </a:xfrm>
           <a:prstGeom prst="rect">
             <a:avLst/>
@@ -4439,18 +4439,18 @@
           <a:lstStyle/>
           <a:p>
             <a:r>
-              <a:rPr lang="de-DE" dirty="0"/>
-              <a:t>Minute 00:01 – 00:04	</a:t>
-            </a:r>
-          </a:p>
-        </p:txBody>
-      </p:sp>
-      <p:sp>
-        <p:nvSpPr>
-          <p:cNvPr id="12" name="Textfeld 11">
+              <a:rPr lang="de-DE" sz="5400" dirty="0"/>
+              <a:t>legt Kopf auf Bank und schläft</a:t>
+            </a:r>
+          </a:p>
+        </p:txBody>
+      </p:sp>
+      <p:sp>
+        <p:nvSpPr>
+          <p:cNvPr id="7" name="Textfeld 6">
             <a:extLst>
               <a:ext uri="{FF2B5EF4-FFF2-40B4-BE49-F238E27FC236}">
-                <a16:creationId xmlns:a16="http://schemas.microsoft.com/office/drawing/2014/main" id="{0532247C-464F-4870-B415-EB35053CF178}"/>
+                <a16:creationId xmlns:a16="http://schemas.microsoft.com/office/drawing/2014/main" id="{7F02EB6C-9884-4113-A7A0-3A8DD76BE44D}"/>
               </a:ext>
             </a:extLst>
           </p:cNvPr>
@@ -4459,8 +4459,8 @@
         </p:nvSpPr>
         <p:spPr>
           <a:xfrm>
-            <a:off x="549335" y="2705725"/>
-            <a:ext cx="3355781" cy="1569660"/>
+            <a:off x="522274" y="2260430"/>
+            <a:ext cx="3559532" cy="2862322"/>
           </a:xfrm>
           <a:prstGeom prst="rect">
             <a:avLst/>
@@ -4474,18 +4474,21 @@
           <a:lstStyle/>
           <a:p>
             <a:r>
-              <a:rPr lang="de-DE" sz="4800" dirty="0"/>
+              <a:rPr lang="de-DE" sz="5400" dirty="0"/>
               <a:t>schwatzt mit Nachbar*in</a:t>
             </a:r>
           </a:p>
-        </p:txBody>
-      </p:sp>
-      <p:sp>
-        <p:nvSpPr>
-          <p:cNvPr id="14" name="Textfeld 13">
+          <a:p>
+            <a:endParaRPr lang="de-DE" dirty="0"/>
+          </a:p>
+        </p:txBody>
+      </p:sp>
+      <p:sp>
+        <p:nvSpPr>
+          <p:cNvPr id="8" name="Textfeld 7">
             <a:extLst>
               <a:ext uri="{FF2B5EF4-FFF2-40B4-BE49-F238E27FC236}">
-                <a16:creationId xmlns:a16="http://schemas.microsoft.com/office/drawing/2014/main" id="{4F850474-56B1-492C-8DCA-6B3BB53E7B53}"/>
+                <a16:creationId xmlns:a16="http://schemas.microsoft.com/office/drawing/2014/main" id="{B204C9F2-1ACC-45D3-BDD4-AE831F417A49}"/>
               </a:ext>
             </a:extLst>
           </p:cNvPr>
@@ -4494,8 +4497,8 @@
         </p:nvSpPr>
         <p:spPr>
           <a:xfrm>
-            <a:off x="4556234" y="2555706"/>
-            <a:ext cx="3478490" cy="3046988"/>
+            <a:off x="4414682" y="1726420"/>
+            <a:ext cx="3566387" cy="4247317"/>
           </a:xfrm>
           <a:prstGeom prst="rect">
             <a:avLst/>
@@ -4509,18 +4512,18 @@
           <a:lstStyle/>
           <a:p>
             <a:r>
-              <a:rPr lang="de-DE" sz="4800" dirty="0"/>
-              <a:t>steht in der Klasse auf und geht herum</a:t>
-            </a:r>
-          </a:p>
-        </p:txBody>
-      </p:sp>
-      <p:sp>
-        <p:nvSpPr>
-          <p:cNvPr id="15" name="Textfeld 14">
+              <a:rPr lang="de-DE" sz="5400" dirty="0"/>
+              <a:t>dreht sich um und starrt aus dem Fenster</a:t>
+            </a:r>
+          </a:p>
+        </p:txBody>
+      </p:sp>
+      <p:sp>
+        <p:nvSpPr>
+          <p:cNvPr id="10" name="Textfeld 9">
             <a:extLst>
               <a:ext uri="{FF2B5EF4-FFF2-40B4-BE49-F238E27FC236}">
-                <a16:creationId xmlns:a16="http://schemas.microsoft.com/office/drawing/2014/main" id="{BE746AAE-E070-4AF8-9592-25714F479523}"/>
+                <a16:creationId xmlns:a16="http://schemas.microsoft.com/office/drawing/2014/main" id="{A79753FB-FBAF-4916-A37F-4FB504B712B8}"/>
               </a:ext>
             </a:extLst>
           </p:cNvPr>
@@ -4529,8 +4532,8 @@
         </p:nvSpPr>
         <p:spPr>
           <a:xfrm>
-            <a:off x="8305009" y="2555706"/>
-            <a:ext cx="3355781" cy="2308324"/>
+            <a:off x="9326881" y="6485393"/>
+            <a:ext cx="2807658" cy="646331"/>
           </a:xfrm>
           <a:prstGeom prst="rect">
             <a:avLst/>
@@ -4544,8 +4547,8 @@
           <a:lstStyle/>
           <a:p>
             <a:r>
-              <a:rPr lang="de-DE" sz="4800" dirty="0"/>
-              <a:t>legt Kopf auf Bank und schläft</a:t>
+              <a:rPr lang="de-DE" dirty="0"/>
+              <a:t>Minute 00:04 – 00:07 Folie I	</a:t>
             </a:r>
           </a:p>
         </p:txBody>
@@ -4581,7 +4584,7 @@
                             </p:stCondLst>
                             <p:childTnLst>
                               <p:par>
-                                <p:cTn id="5" presetID="2" presetClass="entr" presetSubtype="4" fill="hold" grpId="0" nodeType="clickEffect">
+                                <p:cTn id="5" presetID="1" presetClass="entr" presetSubtype="0" fill="hold" grpId="0" nodeType="clickEffect">
                                   <p:stCondLst>
                                     <p:cond delay="0"/>
                                   </p:stCondLst>
@@ -4594,98 +4597,7 @@
                                           </p:stCondLst>
                                         </p:cTn>
                                         <p:tgtEl>
-                                          <p:spTgt spid="12"/>
-                                        </p:tgtEl>
-                                        <p:attrNameLst>
-                                          <p:attrName>style.visibility</p:attrName>
-                                        </p:attrNameLst>
-                                      </p:cBhvr>
-                                      <p:to>
-                                        <p:strVal val="visible"/>
-                                      </p:to>
-                                    </p:set>
-                                    <p:anim calcmode="lin" valueType="num">
-                                      <p:cBhvr additive="base">
-                                        <p:cTn id="7" dur="250" fill="hold"/>
-                                        <p:tgtEl>
-                                          <p:spTgt spid="12"/>
-                                        </p:tgtEl>
-                                        <p:attrNameLst>
-                                          <p:attrName>ppt_x</p:attrName>
-                                        </p:attrNameLst>
-                                      </p:cBhvr>
-                                      <p:tavLst>
-                                        <p:tav tm="0">
-                                          <p:val>
-                                            <p:strVal val="#ppt_x"/>
-                                          </p:val>
-                                        </p:tav>
-                                        <p:tav tm="100000">
-                                          <p:val>
-                                            <p:strVal val="#ppt_x"/>
-                                          </p:val>
-                                        </p:tav>
-                                      </p:tavLst>
-                                    </p:anim>
-                                    <p:anim calcmode="lin" valueType="num">
-                                      <p:cBhvr additive="base">
-                                        <p:cTn id="8" dur="250" fill="hold"/>
-                                        <p:tgtEl>
-                                          <p:spTgt spid="12"/>
-                                        </p:tgtEl>
-                                        <p:attrNameLst>
-                                          <p:attrName>ppt_y</p:attrName>
-                                        </p:attrNameLst>
-                                      </p:cBhvr>
-                                      <p:tavLst>
-                                        <p:tav tm="0">
-                                          <p:val>
-                                            <p:strVal val="1+#ppt_h/2"/>
-                                          </p:val>
-                                        </p:tav>
-                                        <p:tav tm="100000">
-                                          <p:val>
-                                            <p:strVal val="#ppt_y"/>
-                                          </p:val>
-                                        </p:tav>
-                                      </p:tavLst>
-                                    </p:anim>
-                                  </p:childTnLst>
-                                </p:cTn>
-                              </p:par>
-                            </p:childTnLst>
-                          </p:cTn>
-                        </p:par>
-                      </p:childTnLst>
-                    </p:cTn>
-                  </p:par>
-                  <p:par>
-                    <p:cTn id="9" fill="hold">
-                      <p:stCondLst>
-                        <p:cond delay="indefinite"/>
-                      </p:stCondLst>
-                      <p:childTnLst>
-                        <p:par>
-                          <p:cTn id="10" fill="hold">
-                            <p:stCondLst>
-                              <p:cond delay="0"/>
-                            </p:stCondLst>
-                            <p:childTnLst>
-                              <p:par>
-                                <p:cTn id="11" presetID="1" presetClass="entr" presetSubtype="0" fill="hold" grpId="0" nodeType="clickEffect">
-                                  <p:stCondLst>
-                                    <p:cond delay="0"/>
-                                  </p:stCondLst>
-                                  <p:childTnLst>
-                                    <p:set>
-                                      <p:cBhvr>
-                                        <p:cTn id="12" dur="1" fill="hold">
-                                          <p:stCondLst>
-                                            <p:cond delay="0"/>
-                                          </p:stCondLst>
-                                        </p:cTn>
-                                        <p:tgtEl>
-                                          <p:spTgt spid="14"/>
+                                          <p:spTgt spid="7"/>
                                         </p:tgtEl>
                                         <p:attrNameLst>
                                           <p:attrName>style.visibility</p:attrName>
@@ -4705,32 +4617,77 @@
                     </p:cTn>
                   </p:par>
                   <p:par>
-                    <p:cTn id="13" fill="hold">
+                    <p:cTn id="7" fill="hold">
                       <p:stCondLst>
                         <p:cond delay="indefinite"/>
                       </p:stCondLst>
                       <p:childTnLst>
                         <p:par>
-                          <p:cTn id="14" fill="hold">
+                          <p:cTn id="8" fill="hold">
                             <p:stCondLst>
                               <p:cond delay="0"/>
                             </p:stCondLst>
                             <p:childTnLst>
                               <p:par>
-                                <p:cTn id="15" presetID="1" presetClass="entr" presetSubtype="0" fill="hold" grpId="0" nodeType="clickEffect">
+                                <p:cTn id="9" presetID="1" presetClass="entr" presetSubtype="0" fill="hold" grpId="0" nodeType="clickEffect">
                                   <p:stCondLst>
                                     <p:cond delay="0"/>
                                   </p:stCondLst>
                                   <p:childTnLst>
                                     <p:set>
                                       <p:cBhvr>
-                                        <p:cTn id="16" dur="1" fill="hold">
+                                        <p:cTn id="10" dur="1" fill="hold">
                                           <p:stCondLst>
                                             <p:cond delay="0"/>
                                           </p:stCondLst>
                                         </p:cTn>
                                         <p:tgtEl>
-                                          <p:spTgt spid="15"/>
+                                          <p:spTgt spid="8"/>
+                                        </p:tgtEl>
+                                        <p:attrNameLst>
+                                          <p:attrName>style.visibility</p:attrName>
+                                        </p:attrNameLst>
+                                      </p:cBhvr>
+                                      <p:to>
+                                        <p:strVal val="visible"/>
+                                      </p:to>
+                                    </p:set>
+                                  </p:childTnLst>
+                                </p:cTn>
+                              </p:par>
+                            </p:childTnLst>
+                          </p:cTn>
+                        </p:par>
+                      </p:childTnLst>
+                    </p:cTn>
+                  </p:par>
+                  <p:par>
+                    <p:cTn id="11" fill="hold">
+                      <p:stCondLst>
+                        <p:cond delay="indefinite"/>
+                      </p:stCondLst>
+                      <p:childTnLst>
+                        <p:par>
+                          <p:cTn id="12" fill="hold">
+                            <p:stCondLst>
+                              <p:cond delay="0"/>
+                            </p:stCondLst>
+                            <p:childTnLst>
+                              <p:par>
+                                <p:cTn id="13" presetID="1" presetClass="entr" presetSubtype="0" fill="hold" grpId="0" nodeType="clickEffect">
+                                  <p:stCondLst>
+                                    <p:cond delay="0"/>
+                                  </p:stCondLst>
+                                  <p:childTnLst>
+                                    <p:set>
+                                      <p:cBhvr>
+                                        <p:cTn id="14" dur="1" fill="hold">
+                                          <p:stCondLst>
+                                            <p:cond delay="0"/>
+                                          </p:stCondLst>
+                                        </p:cTn>
+                                        <p:tgtEl>
+                                          <p:spTgt spid="13"/>
                                         </p:tgtEl>
                                         <p:attrNameLst>
                                           <p:attrName>style.visibility</p:attrName>
@@ -4771,9 +4728,9 @@
       </p:par>
     </p:tnLst>
     <p:bldLst>
-      <p:bldP spid="12" grpId="0"/>
-      <p:bldP spid="14" grpId="0"/>
-      <p:bldP spid="15" grpId="0"/>
+      <p:bldP spid="13" grpId="0"/>
+      <p:bldP spid="7" grpId="0"/>
+      <p:bldP spid="8" grpId="0"/>
     </p:bldLst>
   </p:timing>
 </p:sld>
@@ -4811,14 +4768,14 @@
           <p:nvPr>
             <p:extLst>
               <p:ext uri="{D42A27DB-BD31-4B8C-83A1-F6EECF244321}">
-                <p14:modId xmlns:p14="http://schemas.microsoft.com/office/powerpoint/2010/main" val="2343027339"/>
+                <p14:modId xmlns:p14="http://schemas.microsoft.com/office/powerpoint/2010/main" val="2488804045"/>
               </p:ext>
             </p:extLst>
           </p:nvPr>
         </p:nvGraphicFramePr>
         <p:xfrm>
-          <a:off x="199700" y="1067122"/>
-          <a:ext cx="11749248" cy="4438131"/>
+          <a:off x="245097" y="187941"/>
+          <a:ext cx="11703849" cy="5695830"/>
         </p:xfrm>
         <a:graphic>
           <a:graphicData uri="http://schemas.openxmlformats.org/drawingml/2006/table">
@@ -4827,21 +4784,21 @@
                 <a:tableStyleId>{5C22544A-7EE6-4342-B048-85BDC9FD1C3A}</a:tableStyleId>
               </a:tblPr>
               <a:tblGrid>
-                <a:gridCol w="3916416">
+                <a:gridCol w="3901283">
                   <a:extLst>
                     <a:ext uri="{9D8B030D-6E8A-4147-A177-3AD203B41FA5}">
                       <a16:colId xmlns:a16="http://schemas.microsoft.com/office/drawing/2014/main" val="2418642178"/>
                     </a:ext>
                   </a:extLst>
                 </a:gridCol>
-                <a:gridCol w="3916416">
+                <a:gridCol w="3901283">
                   <a:extLst>
                     <a:ext uri="{9D8B030D-6E8A-4147-A177-3AD203B41FA5}">
                       <a16:colId xmlns:a16="http://schemas.microsoft.com/office/drawing/2014/main" val="576198228"/>
                     </a:ext>
                   </a:extLst>
                 </a:gridCol>
-                <a:gridCol w="3916416">
+                <a:gridCol w="3901283">
                   <a:extLst>
                     <a:ext uri="{9D8B030D-6E8A-4147-A177-3AD203B41FA5}">
                       <a16:colId xmlns:a16="http://schemas.microsoft.com/office/drawing/2014/main" val="924655872"/>
@@ -4849,7 +4806,7 @@
                   </a:extLst>
                 </a:gridCol>
               </a:tblGrid>
-              <a:tr h="1200196">
+              <a:tr h="1540313">
                 <a:tc>
                   <a:txBody>
                     <a:bodyPr/>
@@ -4857,7 +4814,7 @@
                     <a:p>
                       <a:pPr algn="ctr"/>
                       <a:r>
-                        <a:rPr lang="de-DE" sz="4000" dirty="0"/>
+                        <a:rPr lang="de-DE" sz="4800" dirty="0"/>
                         <a:t>Person A</a:t>
                       </a:r>
                     </a:p>
@@ -4871,7 +4828,7 @@
                     <a:p>
                       <a:pPr algn="ctr"/>
                       <a:r>
-                        <a:rPr lang="de-DE" sz="4000" dirty="0"/>
+                        <a:rPr lang="de-DE" sz="4800" dirty="0"/>
                         <a:t>Person B</a:t>
                       </a:r>
                     </a:p>
@@ -4885,7 +4842,7 @@
                     <a:p>
                       <a:pPr algn="ctr"/>
                       <a:r>
-                        <a:rPr lang="de-DE" sz="4000" dirty="0"/>
+                        <a:rPr lang="de-DE" sz="4800" dirty="0"/>
                         <a:t>Person C</a:t>
                       </a:r>
                     </a:p>
@@ -4898,7 +4855,7 @@
                   </a:ext>
                 </a:extLst>
               </a:tr>
-              <a:tr h="3237935">
+              <a:tr h="4155517">
                 <a:tc>
                   <a:txBody>
                     <a:bodyPr/>
@@ -4944,10 +4901,10 @@
       </p:graphicFrame>
       <p:sp>
         <p:nvSpPr>
-          <p:cNvPr id="2" name="Textfeld 1">
+          <p:cNvPr id="13" name="Textfeld 12">
             <a:extLst>
               <a:ext uri="{FF2B5EF4-FFF2-40B4-BE49-F238E27FC236}">
-                <a16:creationId xmlns:a16="http://schemas.microsoft.com/office/drawing/2014/main" id="{66481C0A-9CA7-4557-93EF-2E86A2973C59}"/>
+                <a16:creationId xmlns:a16="http://schemas.microsoft.com/office/drawing/2014/main" id="{1DC30DDC-9BBC-45F8-A7BD-0AB20420B4A2}"/>
               </a:ext>
             </a:extLst>
           </p:cNvPr>
@@ -4956,8 +4913,8 @@
         </p:nvSpPr>
         <p:spPr>
           <a:xfrm>
-            <a:off x="9697730" y="5883770"/>
-            <a:ext cx="2251217" cy="646331"/>
+            <a:off x="8270485" y="2260430"/>
+            <a:ext cx="3559532" cy="3416320"/>
           </a:xfrm>
           <a:prstGeom prst="rect">
             <a:avLst/>
@@ -4971,18 +4928,18 @@
           <a:lstStyle/>
           <a:p>
             <a:r>
-              <a:rPr lang="de-DE" dirty="0"/>
-              <a:t>Minute 00:04 – 00:07	</a:t>
-            </a:r>
-          </a:p>
-        </p:txBody>
-      </p:sp>
-      <p:sp>
-        <p:nvSpPr>
-          <p:cNvPr id="11" name="Textfeld 10">
+              <a:rPr lang="de-DE" sz="5400" dirty="0"/>
+              <a:t>klickert nervös mit dem Kugel-schreiben</a:t>
+            </a:r>
+          </a:p>
+        </p:txBody>
+      </p:sp>
+      <p:sp>
+        <p:nvSpPr>
+          <p:cNvPr id="7" name="Textfeld 6">
             <a:extLst>
               <a:ext uri="{FF2B5EF4-FFF2-40B4-BE49-F238E27FC236}">
-                <a16:creationId xmlns:a16="http://schemas.microsoft.com/office/drawing/2014/main" id="{98E2A657-F7A6-4D6C-8FC4-F0CA104EEDBB}"/>
+                <a16:creationId xmlns:a16="http://schemas.microsoft.com/office/drawing/2014/main" id="{7F02EB6C-9884-4113-A7A0-3A8DD76BE44D}"/>
               </a:ext>
             </a:extLst>
           </p:cNvPr>
@@ -4991,8 +4948,8 @@
         </p:nvSpPr>
         <p:spPr>
           <a:xfrm>
-            <a:off x="745384" y="2677428"/>
-            <a:ext cx="3355781" cy="2308324"/>
+            <a:off x="522274" y="2260430"/>
+            <a:ext cx="3332836" cy="3416320"/>
           </a:xfrm>
           <a:prstGeom prst="rect">
             <a:avLst/>
@@ -5006,18 +4963,18 @@
           <a:lstStyle/>
           <a:p>
             <a:r>
-              <a:rPr lang="de-DE" sz="4800" dirty="0"/>
-              <a:t>kritzelt auf Arbeitsblatt herum </a:t>
-            </a:r>
-          </a:p>
-        </p:txBody>
-      </p:sp>
-      <p:sp>
-        <p:nvSpPr>
-          <p:cNvPr id="13" name="Textfeld 12">
+              <a:rPr lang="de-DE" sz="5400" dirty="0"/>
+              <a:t>kritzelt auf Arbeits-blatt herum </a:t>
+            </a:r>
+          </a:p>
+        </p:txBody>
+      </p:sp>
+      <p:sp>
+        <p:nvSpPr>
+          <p:cNvPr id="8" name="Textfeld 7">
             <a:extLst>
               <a:ext uri="{FF2B5EF4-FFF2-40B4-BE49-F238E27FC236}">
-                <a16:creationId xmlns:a16="http://schemas.microsoft.com/office/drawing/2014/main" id="{3219F32A-FE36-4D11-9EDF-B08098A8022C}"/>
+                <a16:creationId xmlns:a16="http://schemas.microsoft.com/office/drawing/2014/main" id="{B204C9F2-1ACC-45D3-BDD4-AE831F417A49}"/>
               </a:ext>
             </a:extLst>
           </p:cNvPr>
@@ -5026,8 +4983,8 @@
         </p:nvSpPr>
         <p:spPr>
           <a:xfrm>
-            <a:off x="4388252" y="2305614"/>
-            <a:ext cx="2899110" cy="3046988"/>
+            <a:off x="4358983" y="2260430"/>
+            <a:ext cx="3792574" cy="3416320"/>
           </a:xfrm>
           <a:prstGeom prst="rect">
             <a:avLst/>
@@ -5041,13 +4998,13 @@
           <a:lstStyle/>
           <a:p>
             <a:r>
-              <a:rPr lang="de-DE" sz="4800" dirty="0"/>
+              <a:rPr lang="de-DE" sz="5400" dirty="0"/>
               <a:t>ruft laut in die Klasse:</a:t>
             </a:r>
           </a:p>
           <a:p>
             <a:r>
-              <a:rPr lang="de-DE" sz="4800" dirty="0"/>
+              <a:rPr lang="de-DE" sz="5400" dirty="0"/>
               <a:t>„Ich muss mal!“</a:t>
             </a:r>
           </a:p>
@@ -5055,10 +5012,10 @@
       </p:sp>
       <p:sp>
         <p:nvSpPr>
-          <p:cNvPr id="14" name="Textfeld 13">
+          <p:cNvPr id="11" name="Textfeld 10">
             <a:extLst>
               <a:ext uri="{FF2B5EF4-FFF2-40B4-BE49-F238E27FC236}">
-                <a16:creationId xmlns:a16="http://schemas.microsoft.com/office/drawing/2014/main" id="{113CFDAC-EC32-4611-869F-B2ED4794EDD0}"/>
+                <a16:creationId xmlns:a16="http://schemas.microsoft.com/office/drawing/2014/main" id="{49D278D2-9410-4D56-98EE-B2E9AE732C0C}"/>
               </a:ext>
             </a:extLst>
           </p:cNvPr>
@@ -5067,8 +5024,8 @@
         </p:nvSpPr>
         <p:spPr>
           <a:xfrm>
-            <a:off x="8301194" y="2500496"/>
-            <a:ext cx="3691106" cy="3046988"/>
+            <a:off x="9326881" y="6485393"/>
+            <a:ext cx="2865120" cy="646331"/>
           </a:xfrm>
           <a:prstGeom prst="rect">
             <a:avLst/>
@@ -5082,8 +5039,8 @@
           <a:lstStyle/>
           <a:p>
             <a:r>
-              <a:rPr lang="de-DE" sz="4800" dirty="0"/>
-              <a:t>klickert nervös mit dem Kugel-schreiben</a:t>
+              <a:rPr lang="de-DE" dirty="0"/>
+              <a:t>Minute 00:07 – 00:10 Folie II	</a:t>
             </a:r>
           </a:p>
         </p:txBody>
@@ -5091,7 +5048,7 @@
     </p:spTree>
     <p:extLst>
       <p:ext uri="{BB962C8B-B14F-4D97-AF65-F5344CB8AC3E}">
-        <p14:creationId xmlns:p14="http://schemas.microsoft.com/office/powerpoint/2010/main" val="480364169"/>
+        <p14:creationId xmlns:p14="http://schemas.microsoft.com/office/powerpoint/2010/main" val="1054434840"/>
       </p:ext>
     </p:extLst>
   </p:cSld>
@@ -5119,7 +5076,7 @@
                             </p:stCondLst>
                             <p:childTnLst>
                               <p:par>
-                                <p:cTn id="5" presetID="2" presetClass="entr" presetSubtype="4" fill="hold" grpId="0" nodeType="clickEffect">
+                                <p:cTn id="5" presetID="1" presetClass="entr" presetSubtype="0" fill="hold" grpId="0" nodeType="clickEffect">
                                   <p:stCondLst>
                                     <p:cond delay="0"/>
                                   </p:stCondLst>
@@ -5132,7 +5089,7 @@
                                           </p:stCondLst>
                                         </p:cTn>
                                         <p:tgtEl>
-                                          <p:spTgt spid="11"/>
+                                          <p:spTgt spid="7"/>
                                         </p:tgtEl>
                                         <p:attrNameLst>
                                           <p:attrName>style.visibility</p:attrName>
@@ -5142,52 +5099,6 @@
                                         <p:strVal val="visible"/>
                                       </p:to>
                                     </p:set>
-                                    <p:anim calcmode="lin" valueType="num">
-                                      <p:cBhvr additive="base">
-                                        <p:cTn id="7" dur="250" fill="hold"/>
-                                        <p:tgtEl>
-                                          <p:spTgt spid="11"/>
-                                        </p:tgtEl>
-                                        <p:attrNameLst>
-                                          <p:attrName>ppt_x</p:attrName>
-                                        </p:attrNameLst>
-                                      </p:cBhvr>
-                                      <p:tavLst>
-                                        <p:tav tm="0">
-                                          <p:val>
-                                            <p:strVal val="#ppt_x"/>
-                                          </p:val>
-                                        </p:tav>
-                                        <p:tav tm="100000">
-                                          <p:val>
-                                            <p:strVal val="#ppt_x"/>
-                                          </p:val>
-                                        </p:tav>
-                                      </p:tavLst>
-                                    </p:anim>
-                                    <p:anim calcmode="lin" valueType="num">
-                                      <p:cBhvr additive="base">
-                                        <p:cTn id="8" dur="250" fill="hold"/>
-                                        <p:tgtEl>
-                                          <p:spTgt spid="11"/>
-                                        </p:tgtEl>
-                                        <p:attrNameLst>
-                                          <p:attrName>ppt_y</p:attrName>
-                                        </p:attrNameLst>
-                                      </p:cBhvr>
-                                      <p:tavLst>
-                                        <p:tav tm="0">
-                                          <p:val>
-                                            <p:strVal val="1+#ppt_h/2"/>
-                                          </p:val>
-                                        </p:tav>
-                                        <p:tav tm="100000">
-                                          <p:val>
-                                            <p:strVal val="#ppt_y"/>
-                                          </p:val>
-                                        </p:tav>
-                                      </p:tavLst>
-                                    </p:anim>
                                   </p:childTnLst>
                                 </p:cTn>
                               </p:par>
@@ -5198,26 +5109,71 @@
                     </p:cTn>
                   </p:par>
                   <p:par>
-                    <p:cTn id="9" fill="hold">
+                    <p:cTn id="7" fill="hold">
                       <p:stCondLst>
                         <p:cond delay="indefinite"/>
                       </p:stCondLst>
                       <p:childTnLst>
                         <p:par>
-                          <p:cTn id="10" fill="hold">
+                          <p:cTn id="8" fill="hold">
                             <p:stCondLst>
                               <p:cond delay="0"/>
                             </p:stCondLst>
                             <p:childTnLst>
                               <p:par>
-                                <p:cTn id="11" presetID="2" presetClass="entr" presetSubtype="4" fill="hold" grpId="0" nodeType="clickEffect">
+                                <p:cTn id="9" presetID="1" presetClass="entr" presetSubtype="0" fill="hold" grpId="0" nodeType="clickEffect">
                                   <p:stCondLst>
                                     <p:cond delay="0"/>
                                   </p:stCondLst>
                                   <p:childTnLst>
                                     <p:set>
                                       <p:cBhvr>
-                                        <p:cTn id="12" dur="1" fill="hold">
+                                        <p:cTn id="10" dur="1" fill="hold">
+                                          <p:stCondLst>
+                                            <p:cond delay="0"/>
+                                          </p:stCondLst>
+                                        </p:cTn>
+                                        <p:tgtEl>
+                                          <p:spTgt spid="8"/>
+                                        </p:tgtEl>
+                                        <p:attrNameLst>
+                                          <p:attrName>style.visibility</p:attrName>
+                                        </p:attrNameLst>
+                                      </p:cBhvr>
+                                      <p:to>
+                                        <p:strVal val="visible"/>
+                                      </p:to>
+                                    </p:set>
+                                  </p:childTnLst>
+                                </p:cTn>
+                              </p:par>
+                            </p:childTnLst>
+                          </p:cTn>
+                        </p:par>
+                      </p:childTnLst>
+                    </p:cTn>
+                  </p:par>
+                  <p:par>
+                    <p:cTn id="11" fill="hold">
+                      <p:stCondLst>
+                        <p:cond delay="indefinite"/>
+                      </p:stCondLst>
+                      <p:childTnLst>
+                        <p:par>
+                          <p:cTn id="12" fill="hold">
+                            <p:stCondLst>
+                              <p:cond delay="0"/>
+                            </p:stCondLst>
+                            <p:childTnLst>
+                              <p:par>
+                                <p:cTn id="13" presetID="1" presetClass="entr" presetSubtype="0" fill="hold" grpId="0" nodeType="clickEffect">
+                                  <p:stCondLst>
+                                    <p:cond delay="0"/>
+                                  </p:stCondLst>
+                                  <p:childTnLst>
+                                    <p:set>
+                                      <p:cBhvr>
+                                        <p:cTn id="14" dur="1" fill="hold">
                                           <p:stCondLst>
                                             <p:cond delay="0"/>
                                           </p:stCondLst>
@@ -5233,143 +5189,6 @@
                                         <p:strVal val="visible"/>
                                       </p:to>
                                     </p:set>
-                                    <p:anim calcmode="lin" valueType="num">
-                                      <p:cBhvr additive="base">
-                                        <p:cTn id="13" dur="250" fill="hold"/>
-                                        <p:tgtEl>
-                                          <p:spTgt spid="13"/>
-                                        </p:tgtEl>
-                                        <p:attrNameLst>
-                                          <p:attrName>ppt_x</p:attrName>
-                                        </p:attrNameLst>
-                                      </p:cBhvr>
-                                      <p:tavLst>
-                                        <p:tav tm="0">
-                                          <p:val>
-                                            <p:strVal val="#ppt_x"/>
-                                          </p:val>
-                                        </p:tav>
-                                        <p:tav tm="100000">
-                                          <p:val>
-                                            <p:strVal val="#ppt_x"/>
-                                          </p:val>
-                                        </p:tav>
-                                      </p:tavLst>
-                                    </p:anim>
-                                    <p:anim calcmode="lin" valueType="num">
-                                      <p:cBhvr additive="base">
-                                        <p:cTn id="14" dur="250" fill="hold"/>
-                                        <p:tgtEl>
-                                          <p:spTgt spid="13"/>
-                                        </p:tgtEl>
-                                        <p:attrNameLst>
-                                          <p:attrName>ppt_y</p:attrName>
-                                        </p:attrNameLst>
-                                      </p:cBhvr>
-                                      <p:tavLst>
-                                        <p:tav tm="0">
-                                          <p:val>
-                                            <p:strVal val="1+#ppt_h/2"/>
-                                          </p:val>
-                                        </p:tav>
-                                        <p:tav tm="100000">
-                                          <p:val>
-                                            <p:strVal val="#ppt_y"/>
-                                          </p:val>
-                                        </p:tav>
-                                      </p:tavLst>
-                                    </p:anim>
-                                  </p:childTnLst>
-                                </p:cTn>
-                              </p:par>
-                            </p:childTnLst>
-                          </p:cTn>
-                        </p:par>
-                      </p:childTnLst>
-                    </p:cTn>
-                  </p:par>
-                  <p:par>
-                    <p:cTn id="15" fill="hold">
-                      <p:stCondLst>
-                        <p:cond delay="indefinite"/>
-                      </p:stCondLst>
-                      <p:childTnLst>
-                        <p:par>
-                          <p:cTn id="16" fill="hold">
-                            <p:stCondLst>
-                              <p:cond delay="0"/>
-                            </p:stCondLst>
-                            <p:childTnLst>
-                              <p:par>
-                                <p:cTn id="17" presetID="2" presetClass="entr" presetSubtype="4" fill="hold" grpId="0" nodeType="clickEffect">
-                                  <p:stCondLst>
-                                    <p:cond delay="0"/>
-                                  </p:stCondLst>
-                                  <p:childTnLst>
-                                    <p:set>
-                                      <p:cBhvr>
-                                        <p:cTn id="18" dur="1" fill="hold">
-                                          <p:stCondLst>
-                                            <p:cond delay="0"/>
-                                          </p:stCondLst>
-                                        </p:cTn>
-                                        <p:tgtEl>
-                                          <p:spTgt spid="14"/>
-                                        </p:tgtEl>
-                                        <p:attrNameLst>
-                                          <p:attrName>style.visibility</p:attrName>
-                                        </p:attrNameLst>
-                                      </p:cBhvr>
-                                      <p:to>
-                                        <p:strVal val="visible"/>
-                                      </p:to>
-                                    </p:set>
-                                    <p:anim calcmode="lin" valueType="num">
-                                      <p:cBhvr additive="base">
-                                        <p:cTn id="19" dur="250" fill="hold"/>
-                                        <p:tgtEl>
-                                          <p:spTgt spid="14"/>
-                                        </p:tgtEl>
-                                        <p:attrNameLst>
-                                          <p:attrName>ppt_x</p:attrName>
-                                        </p:attrNameLst>
-                                      </p:cBhvr>
-                                      <p:tavLst>
-                                        <p:tav tm="0">
-                                          <p:val>
-                                            <p:strVal val="#ppt_x"/>
-                                          </p:val>
-                                        </p:tav>
-                                        <p:tav tm="100000">
-                                          <p:val>
-                                            <p:strVal val="#ppt_x"/>
-                                          </p:val>
-                                        </p:tav>
-                                      </p:tavLst>
-                                    </p:anim>
-                                    <p:anim calcmode="lin" valueType="num">
-                                      <p:cBhvr additive="base">
-                                        <p:cTn id="20" dur="250" fill="hold"/>
-                                        <p:tgtEl>
-                                          <p:spTgt spid="14"/>
-                                        </p:tgtEl>
-                                        <p:attrNameLst>
-                                          <p:attrName>ppt_y</p:attrName>
-                                        </p:attrNameLst>
-                                      </p:cBhvr>
-                                      <p:tavLst>
-                                        <p:tav tm="0">
-                                          <p:val>
-                                            <p:strVal val="1+#ppt_h/2"/>
-                                          </p:val>
-                                        </p:tav>
-                                        <p:tav tm="100000">
-                                          <p:val>
-                                            <p:strVal val="#ppt_y"/>
-                                          </p:val>
-                                        </p:tav>
-                                      </p:tavLst>
-                                    </p:anim>
                                   </p:childTnLst>
                                 </p:cTn>
                               </p:par>
@@ -5401,9 +5220,9 @@
       </p:par>
     </p:tnLst>
     <p:bldLst>
-      <p:bldP spid="11" grpId="0"/>
       <p:bldP spid="13" grpId="0"/>
-      <p:bldP spid="14" grpId="0"/>
+      <p:bldP spid="7" grpId="0"/>
+      <p:bldP spid="8" grpId="0"/>
     </p:bldLst>
   </p:timing>
 </p:sld>
@@ -5441,14 +5260,14 @@
           <p:nvPr>
             <p:extLst>
               <p:ext uri="{D42A27DB-BD31-4B8C-83A1-F6EECF244321}">
-                <p14:modId xmlns:p14="http://schemas.microsoft.com/office/powerpoint/2010/main" val="2114653817"/>
+                <p14:modId xmlns:p14="http://schemas.microsoft.com/office/powerpoint/2010/main" val="694100380"/>
               </p:ext>
             </p:extLst>
           </p:nvPr>
         </p:nvGraphicFramePr>
         <p:xfrm>
-          <a:off x="243053" y="1067122"/>
-          <a:ext cx="11705895" cy="4579533"/>
+          <a:off x="245097" y="187941"/>
+          <a:ext cx="11703849" cy="5695830"/>
         </p:xfrm>
         <a:graphic>
           <a:graphicData uri="http://schemas.openxmlformats.org/drawingml/2006/table">
@@ -5457,21 +5276,21 @@
                 <a:tableStyleId>{5C22544A-7EE6-4342-B048-85BDC9FD1C3A}</a:tableStyleId>
               </a:tblPr>
               <a:tblGrid>
-                <a:gridCol w="3901965">
+                <a:gridCol w="3901283">
                   <a:extLst>
                     <a:ext uri="{9D8B030D-6E8A-4147-A177-3AD203B41FA5}">
                       <a16:colId xmlns:a16="http://schemas.microsoft.com/office/drawing/2014/main" val="2418642178"/>
                     </a:ext>
                   </a:extLst>
                 </a:gridCol>
-                <a:gridCol w="3901965">
+                <a:gridCol w="3901283">
                   <a:extLst>
                     <a:ext uri="{9D8B030D-6E8A-4147-A177-3AD203B41FA5}">
                       <a16:colId xmlns:a16="http://schemas.microsoft.com/office/drawing/2014/main" val="576198228"/>
                     </a:ext>
                   </a:extLst>
                 </a:gridCol>
-                <a:gridCol w="3901965">
+                <a:gridCol w="3901283">
                   <a:extLst>
                     <a:ext uri="{9D8B030D-6E8A-4147-A177-3AD203B41FA5}">
                       <a16:colId xmlns:a16="http://schemas.microsoft.com/office/drawing/2014/main" val="924655872"/>
@@ -5479,7 +5298,7 @@
                   </a:extLst>
                 </a:gridCol>
               </a:tblGrid>
-              <a:tr h="1238435">
+              <a:tr h="1540313">
                 <a:tc>
                   <a:txBody>
                     <a:bodyPr/>
@@ -5487,7 +5306,7 @@
                     <a:p>
                       <a:pPr algn="ctr"/>
                       <a:r>
-                        <a:rPr lang="de-DE" sz="4000" dirty="0"/>
+                        <a:rPr lang="de-DE" sz="4800" dirty="0"/>
                         <a:t>Person A</a:t>
                       </a:r>
                     </a:p>
@@ -5501,7 +5320,7 @@
                     <a:p>
                       <a:pPr algn="ctr"/>
                       <a:r>
-                        <a:rPr lang="de-DE" sz="4000" dirty="0"/>
+                        <a:rPr lang="de-DE" sz="4800" dirty="0"/>
                         <a:t>Person B</a:t>
                       </a:r>
                     </a:p>
@@ -5515,7 +5334,7 @@
                     <a:p>
                       <a:pPr algn="ctr"/>
                       <a:r>
-                        <a:rPr lang="de-DE" sz="4000" dirty="0"/>
+                        <a:rPr lang="de-DE" sz="4800" dirty="0"/>
                         <a:t>Person C</a:t>
                       </a:r>
                     </a:p>
@@ -5528,7 +5347,7 @@
                   </a:ext>
                 </a:extLst>
               </a:tr>
-              <a:tr h="3341098">
+              <a:tr h="4155517">
                 <a:tc>
                   <a:txBody>
                     <a:bodyPr/>
@@ -5574,10 +5393,10 @@
       </p:graphicFrame>
       <p:sp>
         <p:nvSpPr>
-          <p:cNvPr id="2" name="Textfeld 1">
+          <p:cNvPr id="13" name="Textfeld 12">
             <a:extLst>
               <a:ext uri="{FF2B5EF4-FFF2-40B4-BE49-F238E27FC236}">
-                <a16:creationId xmlns:a16="http://schemas.microsoft.com/office/drawing/2014/main" id="{66481C0A-9CA7-4557-93EF-2E86A2973C59}"/>
+                <a16:creationId xmlns:a16="http://schemas.microsoft.com/office/drawing/2014/main" id="{1DC30DDC-9BBC-45F8-A7BD-0AB20420B4A2}"/>
               </a:ext>
             </a:extLst>
           </p:cNvPr>
@@ -5586,8 +5405,8 @@
         </p:nvSpPr>
         <p:spPr>
           <a:xfrm>
-            <a:off x="9697730" y="5883770"/>
-            <a:ext cx="2251217" cy="646331"/>
+            <a:off x="8240198" y="2254421"/>
+            <a:ext cx="3603111" cy="3416320"/>
           </a:xfrm>
           <a:prstGeom prst="rect">
             <a:avLst/>
@@ -5601,22 +5420,18 @@
           <a:lstStyle/>
           <a:p>
             <a:r>
-              <a:rPr lang="de-DE"/>
-              <a:t>Minute 00:07 – 00:10</a:t>
-            </a:r>
-            <a:r>
-              <a:rPr lang="de-DE" dirty="0"/>
-              <a:t>	</a:t>
-            </a:r>
-          </a:p>
-        </p:txBody>
-      </p:sp>
-      <p:sp>
-        <p:nvSpPr>
-          <p:cNvPr id="11" name="Textfeld 10">
+              <a:rPr lang="de-DE" sz="5400" dirty="0"/>
+              <a:t>meldet sich schnipsend und stellt Frage</a:t>
+            </a:r>
+          </a:p>
+        </p:txBody>
+      </p:sp>
+      <p:sp>
+        <p:nvSpPr>
+          <p:cNvPr id="7" name="Textfeld 6">
             <a:extLst>
               <a:ext uri="{FF2B5EF4-FFF2-40B4-BE49-F238E27FC236}">
-                <a16:creationId xmlns:a16="http://schemas.microsoft.com/office/drawing/2014/main" id="{7FCEA158-AB0C-4D50-B1E6-9786B43DF603}"/>
+                <a16:creationId xmlns:a16="http://schemas.microsoft.com/office/drawing/2014/main" id="{7F02EB6C-9884-4113-A7A0-3A8DD76BE44D}"/>
               </a:ext>
             </a:extLst>
           </p:cNvPr>
@@ -5625,8 +5440,8 @@
         </p:nvSpPr>
         <p:spPr>
           <a:xfrm>
-            <a:off x="569962" y="2484269"/>
-            <a:ext cx="3559532" cy="2585323"/>
+            <a:off x="542981" y="2254421"/>
+            <a:ext cx="3518119" cy="3416320"/>
           </a:xfrm>
           <a:prstGeom prst="rect">
             <a:avLst/>
@@ -5640,21 +5455,18 @@
           <a:lstStyle/>
           <a:p>
             <a:r>
-              <a:rPr lang="de-DE" sz="4800" dirty="0"/>
+              <a:rPr lang="de-DE" sz="5400" dirty="0"/>
               <a:t>trommelt mit Händen auf dem Tisch</a:t>
             </a:r>
           </a:p>
-          <a:p>
-            <a:endParaRPr lang="de-DE" dirty="0"/>
-          </a:p>
-        </p:txBody>
-      </p:sp>
-      <p:sp>
-        <p:nvSpPr>
-          <p:cNvPr id="13" name="Textfeld 12">
+        </p:txBody>
+      </p:sp>
+      <p:sp>
+        <p:nvSpPr>
+          <p:cNvPr id="8" name="Textfeld 7">
             <a:extLst>
               <a:ext uri="{FF2B5EF4-FFF2-40B4-BE49-F238E27FC236}">
-                <a16:creationId xmlns:a16="http://schemas.microsoft.com/office/drawing/2014/main" id="{CCD35747-E2E2-42DD-B5D7-3B78FAB1B46A}"/>
+                <a16:creationId xmlns:a16="http://schemas.microsoft.com/office/drawing/2014/main" id="{B204C9F2-1ACC-45D3-BDD4-AE831F417A49}"/>
               </a:ext>
             </a:extLst>
           </p:cNvPr>
@@ -5663,8 +5475,8 @@
         </p:nvSpPr>
         <p:spPr>
           <a:xfrm>
-            <a:off x="4456404" y="2484269"/>
-            <a:ext cx="3478490" cy="2308324"/>
+            <a:off x="4358983" y="2258427"/>
+            <a:ext cx="3540679" cy="3416320"/>
           </a:xfrm>
           <a:prstGeom prst="rect">
             <a:avLst/>
@@ -5678,7 +5490,7 @@
           <a:lstStyle/>
           <a:p>
             <a:r>
-              <a:rPr lang="de-DE" sz="4800" dirty="0"/>
+              <a:rPr lang="de-DE" sz="5400" dirty="0"/>
               <a:t>holt Handy heraus und schaut drauf</a:t>
             </a:r>
           </a:p>
@@ -5686,10 +5498,10 @@
       </p:sp>
       <p:sp>
         <p:nvSpPr>
-          <p:cNvPr id="14" name="Textfeld 13">
+          <p:cNvPr id="11" name="Textfeld 10">
             <a:extLst>
               <a:ext uri="{FF2B5EF4-FFF2-40B4-BE49-F238E27FC236}">
-                <a16:creationId xmlns:a16="http://schemas.microsoft.com/office/drawing/2014/main" id="{00135032-D5BA-42AC-8FCC-0B698D3C7FCD}"/>
+                <a16:creationId xmlns:a16="http://schemas.microsoft.com/office/drawing/2014/main" id="{4BA94018-6FF6-44A2-80F8-59B938C73F0E}"/>
               </a:ext>
             </a:extLst>
           </p:cNvPr>
@@ -5698,8 +5510,8 @@
         </p:nvSpPr>
         <p:spPr>
           <a:xfrm>
-            <a:off x="8257841" y="2567718"/>
-            <a:ext cx="3691106" cy="3323987"/>
+            <a:off x="9231320" y="6485393"/>
+            <a:ext cx="2960680" cy="369332"/>
           </a:xfrm>
           <a:prstGeom prst="rect">
             <a:avLst/>
@@ -5713,19 +5525,16 @@
           <a:lstStyle/>
           <a:p>
             <a:r>
-              <a:rPr lang="de-DE" sz="4800" dirty="0"/>
-              <a:t>meldet sich schnipsend und stellt Frage</a:t>
-            </a:r>
-          </a:p>
-          <a:p>
-            <a:endParaRPr lang="de-DE" dirty="0"/>
+              <a:rPr lang="de-DE" dirty="0"/>
+              <a:t>Minute 00:07 – 00:10 Folie III	</a:t>
+            </a:r>
           </a:p>
         </p:txBody>
       </p:sp>
     </p:spTree>
     <p:extLst>
       <p:ext uri="{BB962C8B-B14F-4D97-AF65-F5344CB8AC3E}">
-        <p14:creationId xmlns:p14="http://schemas.microsoft.com/office/powerpoint/2010/main" val="2830185697"/>
+        <p14:creationId xmlns:p14="http://schemas.microsoft.com/office/powerpoint/2010/main" val="3322342255"/>
       </p:ext>
     </p:extLst>
   </p:cSld>
@@ -5753,7 +5562,7 @@
                             </p:stCondLst>
                             <p:childTnLst>
                               <p:par>
-                                <p:cTn id="5" presetID="2" presetClass="entr" presetSubtype="4" fill="hold" grpId="0" nodeType="clickEffect">
+                                <p:cTn id="5" presetID="1" presetClass="entr" presetSubtype="0" fill="hold" grpId="0" nodeType="clickEffect">
                                   <p:stCondLst>
                                     <p:cond delay="0"/>
                                   </p:stCondLst>
@@ -5766,98 +5575,7 @@
                                           </p:stCondLst>
                                         </p:cTn>
                                         <p:tgtEl>
-                                          <p:spTgt spid="11"/>
-                                        </p:tgtEl>
-                                        <p:attrNameLst>
-                                          <p:attrName>style.visibility</p:attrName>
-                                        </p:attrNameLst>
-                                      </p:cBhvr>
-                                      <p:to>
-                                        <p:strVal val="visible"/>
-                                      </p:to>
-                                    </p:set>
-                                    <p:anim calcmode="lin" valueType="num">
-                                      <p:cBhvr additive="base">
-                                        <p:cTn id="7" dur="250" fill="hold"/>
-                                        <p:tgtEl>
-                                          <p:spTgt spid="11"/>
-                                        </p:tgtEl>
-                                        <p:attrNameLst>
-                                          <p:attrName>ppt_x</p:attrName>
-                                        </p:attrNameLst>
-                                      </p:cBhvr>
-                                      <p:tavLst>
-                                        <p:tav tm="0">
-                                          <p:val>
-                                            <p:strVal val="#ppt_x"/>
-                                          </p:val>
-                                        </p:tav>
-                                        <p:tav tm="100000">
-                                          <p:val>
-                                            <p:strVal val="#ppt_x"/>
-                                          </p:val>
-                                        </p:tav>
-                                      </p:tavLst>
-                                    </p:anim>
-                                    <p:anim calcmode="lin" valueType="num">
-                                      <p:cBhvr additive="base">
-                                        <p:cTn id="8" dur="250" fill="hold"/>
-                                        <p:tgtEl>
-                                          <p:spTgt spid="11"/>
-                                        </p:tgtEl>
-                                        <p:attrNameLst>
-                                          <p:attrName>ppt_y</p:attrName>
-                                        </p:attrNameLst>
-                                      </p:cBhvr>
-                                      <p:tavLst>
-                                        <p:tav tm="0">
-                                          <p:val>
-                                            <p:strVal val="1+#ppt_h/2"/>
-                                          </p:val>
-                                        </p:tav>
-                                        <p:tav tm="100000">
-                                          <p:val>
-                                            <p:strVal val="#ppt_y"/>
-                                          </p:val>
-                                        </p:tav>
-                                      </p:tavLst>
-                                    </p:anim>
-                                  </p:childTnLst>
-                                </p:cTn>
-                              </p:par>
-                            </p:childTnLst>
-                          </p:cTn>
-                        </p:par>
-                      </p:childTnLst>
-                    </p:cTn>
-                  </p:par>
-                  <p:par>
-                    <p:cTn id="9" fill="hold">
-                      <p:stCondLst>
-                        <p:cond delay="indefinite"/>
-                      </p:stCondLst>
-                      <p:childTnLst>
-                        <p:par>
-                          <p:cTn id="10" fill="hold">
-                            <p:stCondLst>
-                              <p:cond delay="0"/>
-                            </p:stCondLst>
-                            <p:childTnLst>
-                              <p:par>
-                                <p:cTn id="11" presetID="1" presetClass="entr" presetSubtype="0" fill="hold" grpId="0" nodeType="clickEffect">
-                                  <p:stCondLst>
-                                    <p:cond delay="0"/>
-                                  </p:stCondLst>
-                                  <p:childTnLst>
-                                    <p:set>
-                                      <p:cBhvr>
-                                        <p:cTn id="12" dur="1" fill="hold">
-                                          <p:stCondLst>
-                                            <p:cond delay="0"/>
-                                          </p:stCondLst>
-                                        </p:cTn>
-                                        <p:tgtEl>
-                                          <p:spTgt spid="13"/>
+                                          <p:spTgt spid="7"/>
                                         </p:tgtEl>
                                         <p:attrNameLst>
                                           <p:attrName>style.visibility</p:attrName>
@@ -5877,32 +5595,77 @@
                     </p:cTn>
                   </p:par>
                   <p:par>
-                    <p:cTn id="13" fill="hold">
+                    <p:cTn id="7" fill="hold">
                       <p:stCondLst>
                         <p:cond delay="indefinite"/>
                       </p:stCondLst>
                       <p:childTnLst>
                         <p:par>
-                          <p:cTn id="14" fill="hold">
+                          <p:cTn id="8" fill="hold">
                             <p:stCondLst>
                               <p:cond delay="0"/>
                             </p:stCondLst>
                             <p:childTnLst>
                               <p:par>
-                                <p:cTn id="15" presetID="1" presetClass="entr" presetSubtype="0" fill="hold" grpId="0" nodeType="clickEffect">
+                                <p:cTn id="9" presetID="1" presetClass="entr" presetSubtype="0" fill="hold" grpId="0" nodeType="clickEffect">
                                   <p:stCondLst>
                                     <p:cond delay="0"/>
                                   </p:stCondLst>
                                   <p:childTnLst>
                                     <p:set>
                                       <p:cBhvr>
-                                        <p:cTn id="16" dur="1" fill="hold">
+                                        <p:cTn id="10" dur="1" fill="hold">
                                           <p:stCondLst>
                                             <p:cond delay="0"/>
                                           </p:stCondLst>
                                         </p:cTn>
                                         <p:tgtEl>
-                                          <p:spTgt spid="14"/>
+                                          <p:spTgt spid="8"/>
+                                        </p:tgtEl>
+                                        <p:attrNameLst>
+                                          <p:attrName>style.visibility</p:attrName>
+                                        </p:attrNameLst>
+                                      </p:cBhvr>
+                                      <p:to>
+                                        <p:strVal val="visible"/>
+                                      </p:to>
+                                    </p:set>
+                                  </p:childTnLst>
+                                </p:cTn>
+                              </p:par>
+                            </p:childTnLst>
+                          </p:cTn>
+                        </p:par>
+                      </p:childTnLst>
+                    </p:cTn>
+                  </p:par>
+                  <p:par>
+                    <p:cTn id="11" fill="hold">
+                      <p:stCondLst>
+                        <p:cond delay="indefinite"/>
+                      </p:stCondLst>
+                      <p:childTnLst>
+                        <p:par>
+                          <p:cTn id="12" fill="hold">
+                            <p:stCondLst>
+                              <p:cond delay="0"/>
+                            </p:stCondLst>
+                            <p:childTnLst>
+                              <p:par>
+                                <p:cTn id="13" presetID="1" presetClass="entr" presetSubtype="0" fill="hold" grpId="0" nodeType="clickEffect">
+                                  <p:stCondLst>
+                                    <p:cond delay="0"/>
+                                  </p:stCondLst>
+                                  <p:childTnLst>
+                                    <p:set>
+                                      <p:cBhvr>
+                                        <p:cTn id="14" dur="1" fill="hold">
+                                          <p:stCondLst>
+                                            <p:cond delay="0"/>
+                                          </p:stCondLst>
+                                        </p:cTn>
+                                        <p:tgtEl>
+                                          <p:spTgt spid="13"/>
                                         </p:tgtEl>
                                         <p:attrNameLst>
                                           <p:attrName>style.visibility</p:attrName>
@@ -5943,9 +5706,9 @@
       </p:par>
     </p:tnLst>
     <p:bldLst>
-      <p:bldP spid="11" grpId="0"/>
       <p:bldP spid="13" grpId="0"/>
-      <p:bldP spid="14" grpId="0"/>
+      <p:bldP spid="7" grpId="0"/>
+      <p:bldP spid="8" grpId="0"/>
     </p:bldLst>
   </p:timing>
 </p:sld>
@@ -6044,7 +5807,7 @@
         </p:nvSpPr>
         <p:spPr>
           <a:xfrm>
-            <a:off x="1915128" y="1788454"/>
+            <a:off x="1160984" y="2127819"/>
             <a:ext cx="8830901" cy="3173160"/>
           </a:xfrm>
         </p:spPr>
